--- a/CDS presentation/Deutsch/Tag2_Data Modeling with Core Data Services.pptx
+++ b/CDS presentation/Deutsch/Tag2_Data Modeling with Core Data Services.pptx
@@ -235,7 +235,7 @@
           <a:p>
             <a:fld id="{8ED8D8E7-E4ED-C44E-8758-E77C2E550289}" type="datetimeFigureOut">
               <a:rPr lang="de-DE" smtClean="0"/>
-              <a:t>18.06.24</a:t>
+              <a:t>25.06.24</a:t>
             </a:fld>
             <a:endParaRPr lang="de-DE"/>
           </a:p>
@@ -733,7 +733,7 @@
           <a:p>
             <a:fld id="{6D5CDF9B-D398-4250-A5D8-5FB8CF89A66D}" type="datetimeFigureOut">
               <a:rPr lang="de-DE" smtClean="0"/>
-              <a:t>18.06.24</a:t>
+              <a:t>25.06.24</a:t>
             </a:fld>
             <a:endParaRPr lang="de-DE"/>
           </a:p>
@@ -931,7 +931,7 @@
           <a:p>
             <a:fld id="{6D5CDF9B-D398-4250-A5D8-5FB8CF89A66D}" type="datetimeFigureOut">
               <a:rPr lang="de-DE" smtClean="0"/>
-              <a:t>18.06.24</a:t>
+              <a:t>25.06.24</a:t>
             </a:fld>
             <a:endParaRPr lang="de-DE"/>
           </a:p>
@@ -1139,7 +1139,7 @@
           <a:p>
             <a:fld id="{6D5CDF9B-D398-4250-A5D8-5FB8CF89A66D}" type="datetimeFigureOut">
               <a:rPr lang="de-DE" smtClean="0"/>
-              <a:t>18.06.24</a:t>
+              <a:t>25.06.24</a:t>
             </a:fld>
             <a:endParaRPr lang="de-DE"/>
           </a:p>
@@ -1337,7 +1337,7 @@
           <a:p>
             <a:fld id="{6D5CDF9B-D398-4250-A5D8-5FB8CF89A66D}" type="datetimeFigureOut">
               <a:rPr lang="de-DE" smtClean="0"/>
-              <a:t>18.06.24</a:t>
+              <a:t>25.06.24</a:t>
             </a:fld>
             <a:endParaRPr lang="de-DE"/>
           </a:p>
@@ -1612,7 +1612,7 @@
           <a:p>
             <a:fld id="{6D5CDF9B-D398-4250-A5D8-5FB8CF89A66D}" type="datetimeFigureOut">
               <a:rPr lang="de-DE" smtClean="0"/>
-              <a:t>18.06.24</a:t>
+              <a:t>25.06.24</a:t>
             </a:fld>
             <a:endParaRPr lang="de-DE"/>
           </a:p>
@@ -1877,7 +1877,7 @@
           <a:p>
             <a:fld id="{6D5CDF9B-D398-4250-A5D8-5FB8CF89A66D}" type="datetimeFigureOut">
               <a:rPr lang="de-DE" smtClean="0"/>
-              <a:t>18.06.24</a:t>
+              <a:t>25.06.24</a:t>
             </a:fld>
             <a:endParaRPr lang="de-DE"/>
           </a:p>
@@ -2289,7 +2289,7 @@
           <a:p>
             <a:fld id="{6D5CDF9B-D398-4250-A5D8-5FB8CF89A66D}" type="datetimeFigureOut">
               <a:rPr lang="de-DE" smtClean="0"/>
-              <a:t>18.06.24</a:t>
+              <a:t>25.06.24</a:t>
             </a:fld>
             <a:endParaRPr lang="de-DE"/>
           </a:p>
@@ -2430,7 +2430,7 @@
           <a:p>
             <a:fld id="{6D5CDF9B-D398-4250-A5D8-5FB8CF89A66D}" type="datetimeFigureOut">
               <a:rPr lang="de-DE" smtClean="0"/>
-              <a:t>18.06.24</a:t>
+              <a:t>25.06.24</a:t>
             </a:fld>
             <a:endParaRPr lang="de-DE"/>
           </a:p>
@@ -2543,7 +2543,7 @@
           <a:p>
             <a:fld id="{6D5CDF9B-D398-4250-A5D8-5FB8CF89A66D}" type="datetimeFigureOut">
               <a:rPr lang="de-DE" smtClean="0"/>
-              <a:t>18.06.24</a:t>
+              <a:t>25.06.24</a:t>
             </a:fld>
             <a:endParaRPr lang="de-DE"/>
           </a:p>
@@ -2854,7 +2854,7 @@
           <a:p>
             <a:fld id="{6D5CDF9B-D398-4250-A5D8-5FB8CF89A66D}" type="datetimeFigureOut">
               <a:rPr lang="de-DE" smtClean="0"/>
-              <a:t>18.06.24</a:t>
+              <a:t>25.06.24</a:t>
             </a:fld>
             <a:endParaRPr lang="de-DE"/>
           </a:p>
@@ -3142,7 +3142,7 @@
           <a:p>
             <a:fld id="{6D5CDF9B-D398-4250-A5D8-5FB8CF89A66D}" type="datetimeFigureOut">
               <a:rPr lang="de-DE" smtClean="0"/>
-              <a:t>18.06.24</a:t>
+              <a:t>25.06.24</a:t>
             </a:fld>
             <a:endParaRPr lang="de-DE"/>
           </a:p>
@@ -3383,7 +3383,7 @@
           <a:p>
             <a:fld id="{6D5CDF9B-D398-4250-A5D8-5FB8CF89A66D}" type="datetimeFigureOut">
               <a:rPr lang="de-DE" smtClean="0"/>
-              <a:t>18.06.24</a:t>
+              <a:t>25.06.24</a:t>
             </a:fld>
             <a:endParaRPr lang="de-DE"/>
           </a:p>
